--- a/Radiation and Atmosphere Interaction/Report 6/ΕργασίαΈξι.pptx
+++ b/Radiation and Atmosphere Interaction/Report 6/ΕργασίαΈξι.pptx
@@ -332,7 +332,7 @@
           <a:p>
             <a:fld id="{4CDE23C7-78A4-413A-A84B-93D4CC0A9EB1}" type="datetimeFigureOut">
               <a:rPr lang="en-US" smtClean="0"/>
-              <a:t>1/27/2025</a:t>
+              <a:t>1/30/2025</a:t>
             </a:fld>
             <a:endParaRPr lang="en-US"/>
           </a:p>
@@ -553,7 +553,7 @@
           <a:p>
             <a:fld id="{4CDE23C7-78A4-413A-A84B-93D4CC0A9EB1}" type="datetimeFigureOut">
               <a:rPr lang="en-US" smtClean="0"/>
-              <a:t>1/27/2025</a:t>
+              <a:t>1/30/2025</a:t>
             </a:fld>
             <a:endParaRPr lang="en-US"/>
           </a:p>
@@ -733,7 +733,7 @@
           <a:p>
             <a:fld id="{4CDE23C7-78A4-413A-A84B-93D4CC0A9EB1}" type="datetimeFigureOut">
               <a:rPr lang="en-US" smtClean="0"/>
-              <a:t>1/27/2025</a:t>
+              <a:t>1/30/2025</a:t>
             </a:fld>
             <a:endParaRPr lang="en-US"/>
           </a:p>
@@ -903,7 +903,7 @@
           <a:p>
             <a:fld id="{4CDE23C7-78A4-413A-A84B-93D4CC0A9EB1}" type="datetimeFigureOut">
               <a:rPr lang="en-US" smtClean="0"/>
-              <a:t>1/27/2025</a:t>
+              <a:t>1/30/2025</a:t>
             </a:fld>
             <a:endParaRPr lang="en-US"/>
           </a:p>
@@ -1154,7 +1154,7 @@
           <a:p>
             <a:fld id="{4CDE23C7-78A4-413A-A84B-93D4CC0A9EB1}" type="datetimeFigureOut">
               <a:rPr lang="en-US" smtClean="0"/>
-              <a:t>1/27/2025</a:t>
+              <a:t>1/30/2025</a:t>
             </a:fld>
             <a:endParaRPr lang="en-US"/>
           </a:p>
@@ -1477,7 +1477,7 @@
           <a:p>
             <a:fld id="{4CDE23C7-78A4-413A-A84B-93D4CC0A9EB1}" type="datetimeFigureOut">
               <a:rPr lang="en-US" smtClean="0"/>
-              <a:t>1/27/2025</a:t>
+              <a:t>1/30/2025</a:t>
             </a:fld>
             <a:endParaRPr lang="en-US"/>
           </a:p>
@@ -1901,7 +1901,7 @@
           <a:p>
             <a:fld id="{4CDE23C7-78A4-413A-A84B-93D4CC0A9EB1}" type="datetimeFigureOut">
               <a:rPr lang="en-US" smtClean="0"/>
-              <a:t>1/27/2025</a:t>
+              <a:t>1/30/2025</a:t>
             </a:fld>
             <a:endParaRPr lang="en-US"/>
           </a:p>
@@ -2019,7 +2019,7 @@
           <a:p>
             <a:fld id="{4CDE23C7-78A4-413A-A84B-93D4CC0A9EB1}" type="datetimeFigureOut">
               <a:rPr lang="en-US" smtClean="0"/>
-              <a:t>1/27/2025</a:t>
+              <a:t>1/30/2025</a:t>
             </a:fld>
             <a:endParaRPr lang="en-US"/>
           </a:p>
@@ -2114,7 +2114,7 @@
           <a:p>
             <a:fld id="{4CDE23C7-78A4-413A-A84B-93D4CC0A9EB1}" type="datetimeFigureOut">
               <a:rPr lang="en-US" smtClean="0"/>
-              <a:t>1/27/2025</a:t>
+              <a:t>1/30/2025</a:t>
             </a:fld>
             <a:endParaRPr lang="en-US"/>
           </a:p>
@@ -2404,7 +2404,7 @@
           <a:p>
             <a:fld id="{4CDE23C7-78A4-413A-A84B-93D4CC0A9EB1}" type="datetimeFigureOut">
               <a:rPr lang="en-US" smtClean="0"/>
-              <a:t>1/27/2025</a:t>
+              <a:t>1/30/2025</a:t>
             </a:fld>
             <a:endParaRPr lang="en-US"/>
           </a:p>
@@ -2676,7 +2676,7 @@
           <a:p>
             <a:fld id="{4CDE23C7-78A4-413A-A84B-93D4CC0A9EB1}" type="datetimeFigureOut">
               <a:rPr lang="en-US" smtClean="0"/>
-              <a:t>1/27/2025</a:t>
+              <a:t>1/30/2025</a:t>
             </a:fld>
             <a:endParaRPr lang="en-US"/>
           </a:p>
@@ -2934,7 +2934,7 @@
             <a:fld id="{4CDE23C7-78A4-413A-A84B-93D4CC0A9EB1}" type="datetimeFigureOut">
               <a:rPr lang="en-US" smtClean="0"/>
               <a:pPr/>
-              <a:t>1/27/2025</a:t>
+              <a:t>1/30/2025</a:t>
             </a:fld>
             <a:endParaRPr lang="en-US" dirty="0"/>
           </a:p>
@@ -5844,7 +5844,7 @@
                   <a:schemeClr val="bg1"/>
                 </a:solidFill>
               </a:rPr>
-              <a:t>Συγκεκριμένα, στις 20° :</a:t>
+              <a:t>Συγκεκριμένα :</a:t>
             </a:r>
           </a:p>
           <a:p>
@@ -5858,7 +5858,23 @@
                   <a:schemeClr val="bg1"/>
                 </a:solidFill>
               </a:rPr>
-              <a:t>Για τον ανέφελο ουρανό το μέγιστο εντοπίζεται παντού στα 8 χλμ.</a:t>
+              <a:t>Για τον ανέφελο ουρανό το μέγιστο εντοπίζεται παντού στα 8 </a:t>
+            </a:r>
+            <a:r>
+              <a:rPr lang="el-GR" sz="2000" dirty="0" err="1">
+                <a:solidFill>
+                  <a:schemeClr val="bg1"/>
+                </a:solidFill>
+              </a:rPr>
+              <a:t>χλμ</a:t>
+            </a:r>
+            <a:r>
+              <a:rPr lang="el-GR" sz="2000" dirty="0">
+                <a:solidFill>
+                  <a:schemeClr val="bg1"/>
+                </a:solidFill>
+              </a:rPr>
+              <a:t> και η ακτινική ροή για όλα τα μέρη του φάσματος και για όλες τις ζενίθιες γωνίες, μειώνεται καθώς πλησιάζουμε έδαφος.</a:t>
             </a:r>
           </a:p>
           <a:p>
@@ -5872,21 +5888,39 @@
                   <a:schemeClr val="bg1"/>
                 </a:solidFill>
               </a:rPr>
-              <a:t>Σε όλες τις περιοχές του φάσματος, για το αραιό νέφος παρατηρείται ενίσχυση της ακτινοβολίας καθώς αυτή διέρχεται από αυτό οπότε το μέγιστο εντοπίζεται στην βάση του νέφους. </a:t>
-            </a:r>
-          </a:p>
-          <a:p>
-            <a:pPr marL="800100" lvl="1" indent="-342900">
-              <a:buFont typeface="Arial" panose="020B0604020202020204" pitchFamily="34" charset="0"/>
-              <a:buChar char="•"/>
-            </a:pPr>
+              <a:t>Σε όλες τις περιοχές του φάσματος, για το αραιό νέφος (τ = 2) παρατηρείται ενίσχυση της ακτινοβολίας</a:t>
+            </a:r>
+            <a:r>
+              <a:rPr lang="en-US" sz="2000" dirty="0">
+                <a:solidFill>
+                  <a:schemeClr val="bg1"/>
+                </a:solidFill>
+              </a:rPr>
+              <a:t> </a:t>
+            </a:r>
             <a:r>
               <a:rPr lang="el-GR" sz="2000" dirty="0">
                 <a:solidFill>
                   <a:schemeClr val="bg1"/>
                 </a:solidFill>
               </a:rPr>
-              <a:t>Για το πυκνό νέφος, στα UVA, UVB και VIS παρατηρούμε εξασθένηση της ακτινοβολίας καθώς διέρχεται από το νέφος ενώ για το IR παρατηρείται ενίσχυση.</a:t>
+              <a:t>στις 20° καθώς αυτή διέρχεται από αυτό οπότε το μέγιστο εντοπίζεται στην βάση του νέφους.</a:t>
+            </a:r>
+            <a:r>
+              <a:rPr lang="en-US" sz="2000" dirty="0">
+                <a:solidFill>
+                  <a:schemeClr val="bg1"/>
+                </a:solidFill>
+              </a:rPr>
+              <a:t> </a:t>
+            </a:r>
+            <a:r>
+              <a:rPr lang="el-GR" sz="2000" dirty="0">
+                <a:solidFill>
+                  <a:schemeClr val="bg1"/>
+                </a:solidFill>
+              </a:rPr>
+              <a:t>Στις 70° αντίθετα, έχουμε μείωση της ακτινοβολίας και το μέγιστο εντοπίζεται στα 8 χλμ.</a:t>
             </a:r>
             <a:endParaRPr lang="en-US" sz="2000" dirty="0">
               <a:solidFill>
@@ -5990,8 +6024,8 @@
         </p:nvSpPr>
         <p:spPr>
           <a:xfrm>
-            <a:off x="370113" y="842274"/>
-            <a:ext cx="11604173" cy="6247864"/>
+            <a:off x="370114" y="842274"/>
+            <a:ext cx="11604173" cy="5940088"/>
           </a:xfrm>
           <a:prstGeom prst="rect">
             <a:avLst/>
@@ -6028,7 +6062,7 @@
                   <a:schemeClr val="bg1"/>
                 </a:solidFill>
               </a:rPr>
-              <a:t>Για το πυκνό νέφος, στα UVA, UVB και VIS παρατηρούμε εξασθένηση της ακτινοβολίας καθώς διέρχεται από το νέφος ενώ για το IR παρατηρείται ενίσχυση. Στην περίπτωση του υπεριώδους, το μέγιστο εντοπίζεται πριν η ακτινοβολία φτάσει το νέφος, στο ορατό το μέγιστο εντοπίζεται στην κορυφή του νέφους ενώ στο υπέρυθρο το μέγιστο εντοπίζεται στην βάση του νέφους. Τα παραπάνω μας υποδηλώνουν την εξάρτηση της ακτινικής ροής από την άμεση και την διάχυτη ακτινοβολία καθώς και τον διαφορετικό βαθμό συμμετοχής καθεμίας από αυτές στην συνολική ακτινική ροή ανάλογα με τις επικρατούσες συνθήκες και παραμέτρους.</a:t>
+              <a:t>Για το πυκνό νέφος (τ = 5), στις 20°, στα UVA, UVB και VIS παρατηρούμε εξασθένηση της ακτινοβολίας καθώς διέρχεται από το νέφος ενώ για το IR παρατηρείται ενίσχυση. Στην περίπτωση του υπεριώδους, το μέγιστο εντοπίζεται πριν η ακτινοβολία φτάσει το νέφος, στο ορατό το μέγιστο εντοπίζεται στην κορυφή του νέφους ενώ στο υπέρυθρο το μέγιστο εντοπίζεται στην βάση του νέφους. Στις 70° αντίστοιχα, η ακτινοβολία πάντα μειώνεται όταν διέρχεται από το πυκνό νέφος και συνεπώς το μέγιστο παρουσιάζεται και εδώ στα 8 χλμ. Τα παραπάνω μας υποδηλώνουν την εξάρτηση της ακτινικής ροής από την άμεση και την διάχυτη ακτινοβολία καθώς και τον διαφορετικό βαθμό συμμετοχής καθεμίας από αυτές στην συνολική ροή ανάλογα με τις επικρατούσες συνθήκες και παραμέτρους.</a:t>
             </a:r>
           </a:p>
           <a:p>
@@ -6056,30 +6090,8 @@
                   <a:schemeClr val="bg1"/>
                 </a:solidFill>
               </a:rPr>
-              <a:t>Κάτι που διατηρείται κοινό σε αντιστοιχία με την μελέτη για τις υπόλοιπες ακτινοβολίες, είναι το γεγονός ότι καθώς η ζενίθια γωνία αυξάνει, οι τιμές της ακτινικής ροής μειώνονται λόγω της εξασθένησης που δέχεται η ακτινοβολία για μεγάλες γωνίες. </a:t>
-            </a:r>
-          </a:p>
-          <a:p>
-            <a:pPr marL="342900" indent="-342900">
-              <a:buFont typeface="Arial" panose="020B0604020202020204" pitchFamily="34" charset="0"/>
-              <a:buChar char="•"/>
-            </a:pPr>
-            <a:r>
-              <a:rPr lang="el-GR" sz="2000" dirty="0">
-                <a:solidFill>
-                  <a:schemeClr val="bg1"/>
-                </a:solidFill>
-              </a:rPr>
-              <a:t>Στις 70°, υψηλότερες τιμές ακτινικής ροής εντοπίζονται για το πυκνό νέφος, έπειτα για τον ανέφελο ουρανό και τέλος για το αραιό νέφος. Η διάταξη αυτή αλλάζει από το ύψος του χαμηλότερου νέφους και κάτω όπου πλέον μεγαλύτερες τιμές κυριαρχούν για ανέφελο ουρανό, λίγο χαμηλότερες</a:t>
-            </a:r>
-          </a:p>
-          <a:p>
-            <a:pPr lvl="1"/>
-            <a:endParaRPr lang="el-GR" sz="2000" dirty="0">
-              <a:solidFill>
-                <a:schemeClr val="bg1"/>
-              </a:solidFill>
-            </a:endParaRPr>
+              <a:t>Κάτι που διατηρείται κοινό σε αντιστοιχία με την μελέτη για τις υπόλοιπες ακτινοβολίες, είναι το γεγονός ότι καθώς η ζενίθια γωνία αυξάνει, οι τιμές της ακτινικής ροής μειώνονται για όλες τις τιμές οπτικού βάθους και σε όλα τα μέρη του φάσματος της ακτινοβολίας, λόγω της εξασθένησης που δέχεται η ακτινοβολία για μεγάλες γωνίες. </a:t>
+            </a:r>
           </a:p>
         </p:txBody>
       </p:sp>
@@ -6178,7 +6190,7 @@
         <p:spPr>
           <a:xfrm>
             <a:off x="370113" y="842274"/>
-            <a:ext cx="11625944" cy="3170099"/>
+            <a:ext cx="11625944" cy="4093428"/>
           </a:xfrm>
           <a:prstGeom prst="rect">
             <a:avLst/>
@@ -6201,7 +6213,7 @@
                   <a:schemeClr val="bg1"/>
                 </a:solidFill>
               </a:rPr>
-              <a:t>…για το αραιό νέφος και τέλος τις ελάχιστες τιμές παρατηρούμε για το πυκνό νέφος.</a:t>
+              <a:t>Στις 70°, υψηλότερες τιμές ακτινικής ροής εντοπίζονται για το πυκνό νέφος, έπειτα για τον ανέφελο ουρανό και τέλος για το αραιό νέφος. Η διάταξη αυτή αλλάζει από το ύψος του χαμηλότερου νέφους και κάτω όπου πλέον μεγαλύτερες τιμές κυριαρχούν για ανέφελο ουρανό, λίγο χαμηλότερες για το αραιό νέφος και τέλος τις ελάχιστες τιμές παρατηρούμε για το πυκνό νέφος.</a:t>
             </a:r>
           </a:p>
           <a:p>
@@ -6850,7 +6862,7 @@
         <p:spPr>
           <a:xfrm>
             <a:off x="370114" y="842274"/>
-            <a:ext cx="11364686" cy="5324535"/>
+            <a:ext cx="11364686" cy="5940088"/>
           </a:xfrm>
           <a:prstGeom prst="rect">
             <a:avLst/>
@@ -6873,7 +6885,23 @@
                   <a:schemeClr val="bg1"/>
                 </a:solidFill>
               </a:rPr>
-              <a:t>Η διάχυτη ακτινοβολία αυξάνεται όσο πλησιάζουμε από τα υψηλότερα επίπεδα προς τα έδαφος. Αυτό συμβαίνει καθώς η κατερχόμενη ακτινοβολία, όσο προχωράει στα στρώματα της ατμόσφαιρας, σκεδάζεται και ενισχύεται η διάχυτη συνιστώσα.</a:t>
+              <a:t>Σε ανέφελο ουρανό αλλά και σε ύψη πάνω από τα οποία παρατηρούνται νέφη, παρατηρούμε ότι η διάχυτη ακτινοβολία αυξάνεται όσο πλησιάζουμε από τα υψηλότερα επίπεδα προς το έδαφος. Αυτό συμβαίνει καθώς η κατερχόμενη ακτινοβολία, όσο προχωράει στα στρώματα της ατμόσφαιρας, σκεδάζεται</a:t>
+            </a:r>
+            <a:r>
+              <a:rPr lang="en-US" sz="2000" dirty="0">
+                <a:solidFill>
+                  <a:schemeClr val="bg1"/>
+                </a:solidFill>
+              </a:rPr>
+              <a:t>, </a:t>
+            </a:r>
+            <a:r>
+              <a:rPr lang="el-GR" sz="2000" dirty="0">
+                <a:solidFill>
+                  <a:schemeClr val="bg1"/>
+                </a:solidFill>
+              </a:rPr>
+              <a:t>η άμεση αποκόβεται και μετατρέπεται σε διάχυτη, ενισχύοντας την συνιστώσα αυτή της ακτινοβολίας.</a:t>
             </a:r>
           </a:p>
           <a:p>
@@ -6887,7 +6915,7 @@
                   <a:schemeClr val="bg1"/>
                 </a:solidFill>
               </a:rPr>
-              <a:t>Οι χαμηλότερες τιμές της εντοπίζονται σε καθαρό/ ανέφελο ουρανό όπου τ = 0 γιατί στην περίπτωση αυτή, οι σκεδάσεις της ακτινοβολίας είναι λιγότερες.</a:t>
+              <a:t>Οι χαμηλότερες τιμές της διάχυτης ακτινοβολίας εντοπίζονται σε καθαρό/ ανέφελο ουρανό όπου τ = 0 γιατί στην περίπτωση αυτή, οι σκεδάσεις της ακτινοβολίας είναι λιγότερες.</a:t>
             </a:r>
           </a:p>
           <a:p>
@@ -6931,7 +6959,7 @@
                   <a:schemeClr val="bg1"/>
                 </a:solidFill>
               </a:rPr>
-              <a:t>Για τ = 5, δηλαδή στην περίπτωση όπου έχουμε πυκνό νέφος στο 1 </a:t>
+              <a:t>Για τ = 5 (πράσινες καμπύλες), δηλαδή στην περίπτωση όπου έχουμε πυκνό νέφος στο 1 </a:t>
             </a:r>
             <a:r>
               <a:rPr lang="el-GR" sz="2000" dirty="0" err="1">
@@ -7105,7 +7133,7 @@
                   <a:schemeClr val="bg1"/>
                 </a:solidFill>
               </a:rPr>
-              <a:t>Στις 20° παρατηρούμε ότι η διάχυτη ακτινοβολία πάνω από το ύψος που εντοπίζεται η κορυφή του νέφους είναι μεγαλύτερη στην περίπτωση όπου τ = 5 σε σχέση με την περίπτωση τ = 0. αυτό συμβαίνει καθώς όταν η ακτινοβολία συναντά το σύννεφο, ένα μέρος της σκεδάζεται προς τα πίσω και στην συνέχεια αλληλοεπιδρώντας με την ατμόσφαιρα ξανασκεδάζεται προς τα κάτω οπότε ενισχύεται η αρχική ποσότητα διάχυτης ακτινοβολίας. Κατ’ αντιστοιχία, λόγω αυτής της </a:t>
+              <a:t>Στις 20° παρατηρούμε ότι η διάχυτη ακτινοβολία πάνω από το ύψος που εντοπίζεται η κορυφή του νέφους είναι μεγαλύτερη στην περίπτωση όπου τ = 5 σε σχέση με την περίπτωση τ = 0. Αυτό συμβαίνει καθώς όταν η ακτινοβολία συναντά το σύννεφο, ένα μέρος της σκεδάζεται προς τα πίσω και στην συνέχεια αλληλοεπιδρώντας με την ατμόσφαιρα ξανασκεδάζεται προς τα κάτω οπότε ενισχύεται η αρχική ποσότητα διάχυτης ακτινοβολίας. Κατ’ αντιστοιχία, λόγω αυτής της </a:t>
             </a:r>
             <a:r>
               <a:rPr lang="el-GR" sz="2000" dirty="0" err="1">
@@ -7292,7 +7320,7 @@
         <p:spPr>
           <a:xfrm>
             <a:off x="381000" y="842274"/>
-            <a:ext cx="11255829" cy="3477875"/>
+            <a:ext cx="11255829" cy="5324535"/>
           </a:xfrm>
           <a:prstGeom prst="rect">
             <a:avLst/>
@@ -7345,6 +7373,45 @@
               </a:rPr>
               <a:t>Ομοίως, τα ίδια ισχύουν και για την περίπτωση όπου έχουμε αραιό σύννεφο, δηλαδή οπτικό βάθος ίσο με 2.</a:t>
             </a:r>
+          </a:p>
+          <a:p>
+            <a:pPr marL="342900" indent="-342900">
+              <a:buFont typeface="Arial" panose="020B0604020202020204" pitchFamily="34" charset="0"/>
+              <a:buChar char="•"/>
+            </a:pPr>
+            <a:r>
+              <a:rPr lang="el-GR" sz="2000" dirty="0">
+                <a:solidFill>
+                  <a:schemeClr val="bg1"/>
+                </a:solidFill>
+              </a:rPr>
+              <a:t>Η ατμόσφαιρα, είναι πιο πυκνή κοντά στο έδαφος και για τον λόγο αυτό αναμένουμε στα πρώτα χιλιόμετρα η ακτινοβολία να πέφτει αντί να αυξάνεται λόγω των περισσότερων σκεδάσεων. Αυτό είναι ορατό στα διαγράμματα κυρίως για τ = 0 και sza = 20° στην περιοχή του UVB.</a:t>
+            </a:r>
+          </a:p>
+          <a:p>
+            <a:pPr marL="342900" indent="-342900">
+              <a:buFont typeface="Arial" panose="020B0604020202020204" pitchFamily="34" charset="0"/>
+              <a:buChar char="•"/>
+            </a:pPr>
+            <a:r>
+              <a:rPr lang="el-GR" sz="2000" dirty="0">
+                <a:solidFill>
+                  <a:schemeClr val="bg1"/>
+                </a:solidFill>
+              </a:rPr>
+              <a:t>Τόσο για το πυκνό, όσο και για το αραιό νέφος, παρατηρούμε ότι οι τιμές της διάχυτης ακτινοβολίας στο έδαφος είναι περίπου ίσες.</a:t>
+            </a:r>
+          </a:p>
+          <a:p>
+            <a:pPr marL="342900" indent="-342900">
+              <a:buFont typeface="Arial" panose="020B0604020202020204" pitchFamily="34" charset="0"/>
+              <a:buChar char="•"/>
+            </a:pPr>
+            <a:endParaRPr lang="el-GR" sz="2000" dirty="0">
+              <a:solidFill>
+                <a:schemeClr val="bg1"/>
+              </a:solidFill>
+            </a:endParaRPr>
           </a:p>
           <a:p>
             <a:pPr marL="342900" indent="-342900">
